--- a/Comp382_ON1_A2_T1.pptx
+++ b/Comp382_ON1_A2_T1.pptx
@@ -11309,7 +11309,7 @@
                 <a:latin typeface="Times New Roman" panose="02020603050405020304" pitchFamily="18" charset="0"/>
                 <a:cs typeface="Times New Roman" panose="02020603050405020304" pitchFamily="18" charset="0"/>
               </a:rPr>
-              <a:t>By: Liam Maarhuis 300143581, Ritu Randhawa, Tanisha Ahuja, Natasha Maundu 300202882</a:t>
+              <a:t>By: Liam Maarhuis 300143581, Ritu Randhawa 300204724, Tanisha Ahuja 300205289, Natasha Maundu 300202882</a:t>
             </a:r>
           </a:p>
           <a:p>
@@ -13560,15 +13560,6 @@
 </file>
 
 <file path=customXml/item1.xml><?xml version="1.0" encoding="utf-8"?>
-<?mso-contentType ?>
-<FormTemplates xmlns="http://schemas.microsoft.com/sharepoint/v3/contenttype/forms">
-  <Display>DocumentLibraryForm</Display>
-  <Edit>DocumentLibraryForm</Edit>
-  <New>DocumentLibraryForm</New>
-</FormTemplates>
-</file>
-
-<file path=customXml/item2.xml><?xml version="1.0" encoding="utf-8"?>
 <p:properties xmlns:p="http://schemas.microsoft.com/office/2006/metadata/properties" xmlns:xsi="http://www.w3.org/2001/XMLSchema-instance" xmlns:pc="http://schemas.microsoft.com/office/infopath/2007/PartnerControls">
   <documentManagement>
     <_ip_UnifiedCompliancePolicyUIAction xmlns="http://schemas.microsoft.com/sharepoint/v3" xsi:nil="true"/>
@@ -13586,6 +13577,15 @@
     <MediaServiceKeyPoints xmlns="71af3243-3dd4-4a8d-8c0d-dd76da1f02a5" xsi:nil="true"/>
   </documentManagement>
 </p:properties>
+</file>
+
+<file path=customXml/item2.xml><?xml version="1.0" encoding="utf-8"?>
+<?mso-contentType ?>
+<FormTemplates xmlns="http://schemas.microsoft.com/sharepoint/v3/contenttype/forms">
+  <Display>DocumentLibraryForm</Display>
+  <Edit>DocumentLibraryForm</Edit>
+  <New>DocumentLibraryForm</New>
+</FormTemplates>
 </file>
 
 <file path=customXml/item3.xml><?xml version="1.0" encoding="utf-8"?>
@@ -13901,14 +13901,6 @@
 </file>
 
 <file path=customXml/itemProps1.xml><?xml version="1.0" encoding="utf-8"?>
-<ds:datastoreItem xmlns:ds="http://schemas.openxmlformats.org/officeDocument/2006/customXml" ds:itemID="{B7B39BD0-040C-43BE-B0E4-512B09E8003F}">
-  <ds:schemaRefs>
-    <ds:schemaRef ds:uri="http://schemas.microsoft.com/sharepoint/v3/contenttype/forms"/>
-  </ds:schemaRefs>
-</ds:datastoreItem>
-</file>
-
-<file path=customXml/itemProps2.xml><?xml version="1.0" encoding="utf-8"?>
 <ds:datastoreItem xmlns:ds="http://schemas.openxmlformats.org/officeDocument/2006/customXml" ds:itemID="{AB045227-5724-4DBF-9712-031B1BFB2C3C}">
   <ds:schemaRefs>
     <ds:schemaRef ds:uri="http://schemas.microsoft.com/office/2006/metadata/properties"/>
@@ -13923,6 +13915,14 @@
     <ds:schemaRef ds:uri="230e9df3-be65-4c73-a93b-d1236ebd677e"/>
     <ds:schemaRef ds:uri="16c05727-aa75-4e4a-9b5f-8a80a1165891"/>
     <ds:schemaRef ds:uri="http://www.w3.org/XML/1998/namespace"/>
+  </ds:schemaRefs>
+</ds:datastoreItem>
+</file>
+
+<file path=customXml/itemProps2.xml><?xml version="1.0" encoding="utf-8"?>
+<ds:datastoreItem xmlns:ds="http://schemas.openxmlformats.org/officeDocument/2006/customXml" ds:itemID="{B7B39BD0-040C-43BE-B0E4-512B09E8003F}">
+  <ds:schemaRefs>
+    <ds:schemaRef ds:uri="http://schemas.microsoft.com/sharepoint/v3/contenttype/forms"/>
   </ds:schemaRefs>
 </ds:datastoreItem>
 </file>

--- a/Comp382_ON1_A2_T1.pptx
+++ b/Comp382_ON1_A2_T1.pptx
@@ -7771,7 +7771,7 @@
                 <a:latin typeface="Times New Roman" panose="02020603050405020304" pitchFamily="18" charset="0"/>
                 <a:cs typeface="Times New Roman" panose="02020603050405020304" pitchFamily="18" charset="0"/>
               </a:rPr>
-              <a:t>uvwxy</a:t>
+              <a:t>uvzxy</a:t>
             </a:r>
             <a:r>
               <a:rPr lang="en-US" dirty="0">
@@ -7797,7 +7797,7 @@
                 <a:latin typeface="Times New Roman" panose="02020603050405020304" pitchFamily="18" charset="0"/>
                 <a:cs typeface="Times New Roman" panose="02020603050405020304" pitchFamily="18" charset="0"/>
               </a:rPr>
-              <a:t>vwx</a:t>
+              <a:t>vzx</a:t>
             </a:r>
             <a:r>
               <a:rPr lang="en-US" dirty="0">
@@ -7863,7 +7863,7 @@
                 <a:latin typeface="Times New Roman" panose="02020603050405020304" pitchFamily="18" charset="0"/>
                 <a:cs typeface="Times New Roman" panose="02020603050405020304" pitchFamily="18" charset="0"/>
               </a:rPr>
-              <a:t>wx</a:t>
+              <a:t>zx</a:t>
             </a:r>
             <a:r>
               <a:rPr lang="en-US" i="1" baseline="30000" dirty="0">
@@ -8105,7 +8105,7 @@
                 <a:latin typeface="Times New Roman" panose="02020603050405020304" pitchFamily="18" charset="0"/>
                 <a:cs typeface="Times New Roman" panose="02020603050405020304" pitchFamily="18" charset="0"/>
               </a:rPr>
-              <a:t>vwx</a:t>
+              <a:t>vzx</a:t>
             </a:r>
             <a:r>
               <a:rPr lang="en-US" dirty="0">
@@ -8235,7 +8235,7 @@
             <p:ph type="tbl" sz="quarter" idx="11"/>
             <p:extLst>
               <p:ext uri="{D42A27DB-BD31-4B8C-83A1-F6EECF244321}">
-                <p14:modId xmlns:p14="http://schemas.microsoft.com/office/powerpoint/2010/main" val="897198117"/>
+                <p14:modId xmlns:p14="http://schemas.microsoft.com/office/powerpoint/2010/main" val="369413316"/>
               </p:ext>
             </p:extLst>
           </p:nvPr>
@@ -8543,7 +8543,7 @@
                           <a:latin typeface="Times New Roman" panose="02020603050405020304" pitchFamily="18" charset="0"/>
                           <a:cs typeface="Times New Roman" panose="02020603050405020304" pitchFamily="18" charset="0"/>
                         </a:rPr>
-                        <a:t>wx</a:t>
+                        <a:t>zx</a:t>
                       </a:r>
                       <a:r>
                         <a:rPr lang="en-US" i="1" baseline="30000" dirty="0">
@@ -8898,7 +8898,7 @@
                           <a:latin typeface="Times New Roman" panose="02020603050405020304" pitchFamily="18" charset="0"/>
                           <a:cs typeface="Times New Roman" panose="02020603050405020304" pitchFamily="18" charset="0"/>
                         </a:rPr>
-                        <a:t>wx</a:t>
+                        <a:t>zx</a:t>
                       </a:r>
                       <a:r>
                         <a:rPr lang="en-US" i="1" baseline="30000" dirty="0">
@@ -9255,7 +9255,7 @@
                           <a:latin typeface="Times New Roman" panose="02020603050405020304" pitchFamily="18" charset="0"/>
                           <a:cs typeface="Times New Roman" panose="02020603050405020304" pitchFamily="18" charset="0"/>
                         </a:rPr>
-                        <a:t>wx</a:t>
+                        <a:t>zx</a:t>
                       </a:r>
                       <a:r>
                         <a:rPr lang="en-US" i="1" baseline="30000" dirty="0">
@@ -9477,7 +9477,7 @@
                           <a:latin typeface="Times New Roman" panose="02020603050405020304" pitchFamily="18" charset="0"/>
                           <a:cs typeface="Times New Roman" panose="02020603050405020304" pitchFamily="18" charset="0"/>
                         </a:rPr>
-                        <a:t>|vwx|</a:t>
+                        <a:t>|vzx|</a:t>
                       </a:r>
                       <a:r>
                         <a:rPr lang="en-US" dirty="0">
@@ -9664,7 +9664,7 @@
                           <a:latin typeface="Times New Roman" panose="02020603050405020304" pitchFamily="18" charset="0"/>
                           <a:cs typeface="Times New Roman" panose="02020603050405020304" pitchFamily="18" charset="0"/>
                         </a:rPr>
-                        <a:t>|vwx|</a:t>
+                        <a:t>|vzx|</a:t>
                       </a:r>
                       <a:r>
                         <a:rPr lang="en-US" dirty="0">

--- a/Comp382_ON1_A2_T1.pptx
+++ b/Comp382_ON1_A2_T1.pptx
@@ -5,10 +5,10 @@
     <p:sldMasterId id="2147483666" r:id="rId4"/>
   </p:sldMasterIdLst>
   <p:notesMasterIdLst>
-    <p:notesMasterId r:id="rId24"/>
+    <p:notesMasterId r:id="rId23"/>
   </p:notesMasterIdLst>
   <p:handoutMasterIdLst>
-    <p:handoutMasterId r:id="rId25"/>
+    <p:handoutMasterId r:id="rId24"/>
   </p:handoutMasterIdLst>
   <p:sldIdLst>
     <p:sldId id="314" r:id="rId5"/>
@@ -26,10 +26,9 @@
     <p:sldId id="334" r:id="rId17"/>
     <p:sldId id="331" r:id="rId18"/>
     <p:sldId id="332" r:id="rId19"/>
-    <p:sldId id="336" r:id="rId20"/>
-    <p:sldId id="337" r:id="rId21"/>
-    <p:sldId id="335" r:id="rId22"/>
-    <p:sldId id="309" r:id="rId23"/>
+    <p:sldId id="337" r:id="rId20"/>
+    <p:sldId id="335" r:id="rId21"/>
+    <p:sldId id="309" r:id="rId22"/>
   </p:sldIdLst>
   <p:sldSz cx="12192000" cy="6858000"/>
   <p:notesSz cx="6858000" cy="9144000"/>
@@ -1529,7 +1528,7 @@
           <a:p>
             <a:fld id="{D4B9A9E5-4F7F-4A7D-9DE1-899232329269}" type="slidenum">
               <a:rPr lang="en-US" smtClean="0"/>
-              <a:t>18</a:t>
+              <a:t>17</a:t>
             </a:fld>
             <a:endParaRPr lang="en-US" dirty="0"/>
           </a:p>
@@ -1620,7 +1619,7 @@
           <a:p>
             <a:fld id="{D4B9A9E5-4F7F-4A7D-9DE1-899232329269}" type="slidenum">
               <a:rPr lang="en-US" smtClean="0"/>
-              <a:t>19</a:t>
+              <a:t>18</a:t>
             </a:fld>
             <a:endParaRPr lang="en-US" dirty="0"/>
           </a:p>
@@ -7530,15 +7529,15 @@
           <a:lstStyle/>
           <a:p>
             <a:r>
-              <a:rPr lang="en-US" dirty="0"/>
+              <a:rPr lang="en-US" b="1" dirty="0"/>
               <a:t>Proof that </a:t>
             </a:r>
             <a:r>
-              <a:rPr lang="en-US" i="1" dirty="0"/>
+              <a:rPr lang="en-US" b="1" i="1" dirty="0"/>
               <a:t>L</a:t>
             </a:r>
             <a:r>
-              <a:rPr lang="en-US" dirty="0"/>
+              <a:rPr lang="en-US" b="1" dirty="0"/>
               <a:t> is not context-Free</a:t>
             </a:r>
           </a:p>
@@ -7562,7 +7561,7 @@
         </p:nvSpPr>
         <p:spPr>
           <a:xfrm>
-            <a:off x="914399" y="1584100"/>
+            <a:off x="914399" y="1693156"/>
             <a:ext cx="10687051" cy="4224004"/>
           </a:xfrm>
         </p:spPr>
@@ -7572,6 +7571,9 @@
           </a:bodyPr>
           <a:lstStyle/>
           <a:p>
+            <a:pPr marL="0" indent="0">
+              <a:buNone/>
+            </a:pPr>
             <a:r>
               <a:rPr lang="en-US" dirty="0">
                 <a:latin typeface="Times New Roman" panose="02020603050405020304" pitchFamily="18" charset="0"/>
@@ -7665,13 +7667,22 @@
             </a:r>
           </a:p>
           <a:p>
-            <a:pPr lvl="1"/>
+            <a:pPr marL="0" indent="0">
+              <a:buNone/>
+            </a:pPr>
+            <a:r>
+              <a:rPr lang="en-US" b="1" dirty="0">
+                <a:latin typeface="Times New Roman" panose="02020603050405020304" pitchFamily="18" charset="0"/>
+                <a:cs typeface="Times New Roman" panose="02020603050405020304" pitchFamily="18" charset="0"/>
+              </a:rPr>
+              <a:t>Proof. </a:t>
+            </a:r>
             <a:r>
               <a:rPr lang="en-US" dirty="0">
                 <a:latin typeface="Times New Roman" panose="02020603050405020304" pitchFamily="18" charset="0"/>
                 <a:cs typeface="Times New Roman" panose="02020603050405020304" pitchFamily="18" charset="0"/>
               </a:rPr>
-              <a:t>Proof. We prove this by contradiction using the pumping lemma for context-free languages. </a:t>
+              <a:t>We prove this by contradiction using the pumping lemma for context-free languages. </a:t>
             </a:r>
           </a:p>
           <a:p>
@@ -9888,15 +9899,15 @@
           <a:lstStyle/>
           <a:p>
             <a:r>
-              <a:rPr lang="en-US" dirty="0"/>
+              <a:rPr lang="en-US" b="1" dirty="0"/>
               <a:t>Proof that </a:t>
             </a:r>
             <a:r>
-              <a:rPr lang="en-US" i="1" dirty="0"/>
+              <a:rPr lang="en-US" b="1" i="1" dirty="0"/>
               <a:t>L</a:t>
             </a:r>
             <a:r>
-              <a:rPr lang="en-US" dirty="0"/>
+              <a:rPr lang="en-US" b="1" dirty="0"/>
               <a:t> is not context-Free</a:t>
             </a:r>
           </a:p>
@@ -9920,7 +9931,7 @@
         </p:nvSpPr>
         <p:spPr>
           <a:xfrm>
-            <a:off x="914399" y="1612675"/>
+            <a:off x="914399" y="1872734"/>
             <a:ext cx="10687051" cy="4224004"/>
           </a:xfrm>
         </p:spPr>
@@ -10205,7 +10216,7 @@
           <a:lstStyle/>
           <a:p>
             <a:r>
-              <a:rPr lang="en-US" dirty="0"/>
+              <a:rPr lang="en-US" b="1" dirty="0"/>
               <a:t>Conclusion</a:t>
             </a:r>
           </a:p>
@@ -10229,7 +10240,7 @@
         </p:nvSpPr>
         <p:spPr>
           <a:xfrm>
-            <a:off x="914399" y="1584100"/>
+            <a:off x="914399" y="1928049"/>
             <a:ext cx="10687051" cy="4224004"/>
           </a:xfrm>
         </p:spPr>
@@ -10239,6 +10250,9 @@
           </a:bodyPr>
           <a:lstStyle/>
           <a:p>
+            <a:pPr marL="0" indent="0">
+              <a:buNone/>
+            </a:pPr>
             <a:r>
               <a:rPr lang="en-US" dirty="0">
                 <a:latin typeface="Times New Roman" panose="02020603050405020304" pitchFamily="18" charset="0"/>
@@ -10551,102 +10565,6 @@
 </file>
 
 <file path=ppt/slides/slide16.xml><?xml version="1.0" encoding="utf-8"?>
-<p:sld xmlns:a="http://schemas.openxmlformats.org/drawingml/2006/main" xmlns:r="http://schemas.openxmlformats.org/officeDocument/2006/relationships" xmlns:p="http://schemas.openxmlformats.org/presentationml/2006/main">
-  <p:cSld>
-    <p:spTree>
-      <p:nvGrpSpPr>
-        <p:cNvPr id="1" name=""/>
-        <p:cNvGrpSpPr/>
-        <p:nvPr/>
-      </p:nvGrpSpPr>
-      <p:grpSpPr>
-        <a:xfrm>
-          <a:off x="0" y="0"/>
-          <a:ext cx="0" cy="0"/>
-          <a:chOff x="0" y="0"/>
-          <a:chExt cx="0" cy="0"/>
-        </a:xfrm>
-      </p:grpSpPr>
-      <p:sp>
-        <p:nvSpPr>
-          <p:cNvPr id="2" name="Title 1">
-            <a:extLst>
-              <a:ext uri="{FF2B5EF4-FFF2-40B4-BE49-F238E27FC236}">
-                <a16:creationId xmlns:a16="http://schemas.microsoft.com/office/drawing/2014/main" id="{2ADB6CB5-5CC6-DAF0-B482-C8B9164A478F}"/>
-              </a:ext>
-            </a:extLst>
-          </p:cNvPr>
-          <p:cNvSpPr>
-            <a:spLocks noGrp="1"/>
-          </p:cNvSpPr>
-          <p:nvPr>
-            <p:ph type="title"/>
-          </p:nvPr>
-        </p:nvSpPr>
-        <p:spPr>
-          <a:xfrm>
-            <a:off x="914399" y="2266239"/>
-            <a:ext cx="10363201" cy="1629601"/>
-          </a:xfrm>
-        </p:spPr>
-        <p:txBody>
-          <a:bodyPr>
-            <a:normAutofit/>
-          </a:bodyPr>
-          <a:lstStyle/>
-          <a:p>
-            <a:pPr algn="ctr"/>
-            <a:r>
-              <a:rPr lang="en-US" sz="4400" dirty="0"/>
-              <a:t>Code demo</a:t>
-            </a:r>
-          </a:p>
-        </p:txBody>
-      </p:sp>
-      <p:sp>
-        <p:nvSpPr>
-          <p:cNvPr id="5" name="Slide Number Placeholder 4">
-            <a:extLst>
-              <a:ext uri="{FF2B5EF4-FFF2-40B4-BE49-F238E27FC236}">
-                <a16:creationId xmlns:a16="http://schemas.microsoft.com/office/drawing/2014/main" id="{28BF6AD6-3473-C3F1-0426-157C6D11780F}"/>
-              </a:ext>
-            </a:extLst>
-          </p:cNvPr>
-          <p:cNvSpPr>
-            <a:spLocks noGrp="1"/>
-          </p:cNvSpPr>
-          <p:nvPr>
-            <p:ph type="sldNum" sz="quarter" idx="4"/>
-          </p:nvPr>
-        </p:nvSpPr>
-        <p:spPr/>
-        <p:txBody>
-          <a:bodyPr/>
-          <a:lstStyle/>
-          <a:p>
-            <a:fld id="{B5CEABB6-07DC-46E8-9B57-56EC44A396E5}" type="slidenum">
-              <a:rPr lang="en-US" smtClean="0"/>
-              <a:pPr/>
-              <a:t>16</a:t>
-            </a:fld>
-            <a:endParaRPr lang="en-US" dirty="0"/>
-          </a:p>
-        </p:txBody>
-      </p:sp>
-    </p:spTree>
-    <p:extLst>
-      <p:ext uri="{BB962C8B-B14F-4D97-AF65-F5344CB8AC3E}">
-        <p14:creationId xmlns:p14="http://schemas.microsoft.com/office/powerpoint/2010/main" val="903649909"/>
-      </p:ext>
-    </p:extLst>
-  </p:cSld>
-  <p:clrMapOvr>
-    <a:masterClrMapping/>
-  </p:clrMapOvr>
-</p:sld>
-</file>
-
-<file path=ppt/slides/slide17.xml><?xml version="1.0" encoding="utf-8"?>
 <p:sld xmlns:a="http://schemas.openxmlformats.org/drawingml/2006/main" xmlns:r="http://schemas.openxmlformats.org/officeDocument/2006/relationships" xmlns:p="http://schemas.openxmlformats.org/presentationml/2006/main">
   <p:cSld>
     <p:spTree>
@@ -10693,7 +10611,7 @@
             <a:fld id="{B5CEABB6-07DC-46E8-9B57-56EC44A396E5}" type="slidenum">
               <a:rPr lang="en-US" smtClean="0"/>
               <a:pPr/>
-              <a:t>17</a:t>
+              <a:t>16</a:t>
             </a:fld>
             <a:endParaRPr lang="en-US" dirty="0"/>
           </a:p>
@@ -10746,7 +10664,7 @@
         </p:blipFill>
         <p:spPr>
           <a:xfrm>
-            <a:off x="377981" y="97484"/>
+            <a:off x="377981" y="245591"/>
             <a:ext cx="11436035" cy="6148770"/>
           </a:xfrm>
           <a:prstGeom prst="rect">
@@ -10767,7 +10685,7 @@
 </p:sld>
 </file>
 
-<file path=ppt/slides/slide18.xml><?xml version="1.0" encoding="utf-8"?>
+<file path=ppt/slides/slide17.xml><?xml version="1.0" encoding="utf-8"?>
 <p:sld xmlns:a="http://schemas.openxmlformats.org/drawingml/2006/main" xmlns:r="http://schemas.openxmlformats.org/officeDocument/2006/relationships" xmlns:p="http://schemas.openxmlformats.org/presentationml/2006/main">
   <p:cSld>
     <p:spTree>
@@ -10817,8 +10735,12 @@
           <a:lstStyle/>
           <a:p>
             <a:r>
+              <a:rPr lang="en-US" b="1" dirty="0"/>
+              <a:t>References</a:t>
+            </a:r>
+            <a:r>
               <a:rPr lang="en-US" dirty="0"/>
-              <a:t>References </a:t>
+              <a:t> </a:t>
             </a:r>
           </a:p>
         </p:txBody>
@@ -10841,7 +10763,7 @@
         </p:nvSpPr>
         <p:spPr>
           <a:xfrm>
-            <a:off x="914399" y="1584100"/>
+            <a:off x="914398" y="1919660"/>
             <a:ext cx="10687051" cy="4224004"/>
           </a:xfrm>
         </p:spPr>
@@ -10900,6 +10822,9 @@
             </a:endParaRPr>
           </a:p>
           <a:p>
+            <a:pPr marL="0" indent="0">
+              <a:buNone/>
+            </a:pPr>
             <a:r>
               <a:rPr lang="en-US" dirty="0">
                 <a:latin typeface="Times New Roman" panose="02020603050405020304" pitchFamily="18" charset="0"/>
@@ -10944,7 +10869,7 @@
             <a:fld id="{B5CEABB6-07DC-46E8-9B57-56EC44A396E5}" type="slidenum">
               <a:rPr lang="en-US" smtClean="0"/>
               <a:pPr/>
-              <a:t>18</a:t>
+              <a:t>17</a:t>
             </a:fld>
             <a:endParaRPr lang="en-US" dirty="0"/>
           </a:p>
@@ -10998,8 +10923,12 @@
           </a:lstStyle>
           <a:p>
             <a:r>
+              <a:rPr lang="en-US" b="1" dirty="0"/>
+              <a:t>Git</a:t>
+            </a:r>
+            <a:r>
               <a:rPr lang="en-US" dirty="0"/>
-              <a:t>Git </a:t>
+              <a:t> </a:t>
             </a:r>
           </a:p>
         </p:txBody>
@@ -11017,7 +10946,7 @@
 </p:sld>
 </file>
 
-<file path=ppt/slides/slide19.xml><?xml version="1.0" encoding="utf-8"?>
+<file path=ppt/slides/slide18.xml><?xml version="1.0" encoding="utf-8"?>
 <p:sld xmlns:a="http://schemas.openxmlformats.org/drawingml/2006/main" xmlns:r="http://schemas.openxmlformats.org/officeDocument/2006/relationships" xmlns:p="http://schemas.openxmlformats.org/presentationml/2006/main">
   <p:cSld>
     <p:bg>
@@ -11170,7 +11099,7 @@
           <a:lstStyle/>
           <a:p>
             <a:r>
-              <a:rPr lang="en-US" dirty="0"/>
+              <a:rPr lang="en-US" b="1" dirty="0"/>
               <a:t>Context</a:t>
             </a:r>
           </a:p>
@@ -11413,7 +11342,7 @@
           <a:lstStyle/>
           <a:p>
             <a:r>
-              <a:rPr lang="en-US" dirty="0"/>
+              <a:rPr lang="en-US" b="1" dirty="0"/>
               <a:t>introduction</a:t>
             </a:r>
           </a:p>
@@ -11469,7 +11398,7 @@
                 <a:latin typeface="Times New Roman" panose="02020603050405020304" pitchFamily="18" charset="0"/>
                 <a:cs typeface="Times New Roman" panose="02020603050405020304" pitchFamily="18" charset="0"/>
               </a:rPr>
-              <a:t>We prove this by showing that the language </a:t>
+              <a:t>We prove this by showing that the language               </a:t>
             </a:r>
             <a:r>
               <a:rPr lang="en-US" i="1" dirty="0">
@@ -11553,7 +11482,7 @@
                 <a:latin typeface="Times New Roman" panose="02020603050405020304" pitchFamily="18" charset="0"/>
                 <a:cs typeface="Times New Roman" panose="02020603050405020304" pitchFamily="18" charset="0"/>
               </a:rPr>
-              <a:t> ≥ 0} is not context-free, but can be expressed as the intersection of two context-free languages.</a:t>
+              <a:t> ≥ 0} is not context-free but can be expressed as the intersection of two context-free languages.</a:t>
             </a:r>
           </a:p>
         </p:txBody>
@@ -11738,7 +11667,7 @@
           <a:lstStyle/>
           <a:p>
             <a:r>
-              <a:rPr lang="en-US" sz="3200" dirty="0"/>
+              <a:rPr lang="en-US" sz="3200" b="1" dirty="0"/>
               <a:t>Language one</a:t>
             </a:r>
           </a:p>
@@ -12093,7 +12022,7 @@
           <a:lstStyle/>
           <a:p>
             <a:r>
-              <a:rPr lang="en-US" sz="3200" dirty="0"/>
+              <a:rPr lang="en-US" sz="3200" b="1" dirty="0"/>
               <a:t>Language two</a:t>
             </a:r>
           </a:p>
@@ -12585,7 +12514,7 @@
           <a:lstStyle/>
           <a:p>
             <a:r>
-              <a:rPr lang="en-US" dirty="0"/>
+              <a:rPr lang="en-US" b="1" dirty="0"/>
               <a:t>Intersection of L1 and L2</a:t>
             </a:r>
           </a:p>
@@ -12613,7 +12542,7 @@
         </p:blipFill>
         <p:spPr>
           <a:xfrm>
-            <a:off x="838201" y="1376362"/>
+            <a:off x="838201" y="1518975"/>
             <a:ext cx="7848600" cy="4105275"/>
           </a:xfrm>
           <a:prstGeom prst="rect">
@@ -12747,8 +12676,8 @@
         </p:blipFill>
         <p:spPr>
           <a:xfrm>
-            <a:off x="1229932" y="0"/>
-            <a:ext cx="10050855" cy="6289083"/>
+            <a:off x="763399" y="201478"/>
+            <a:ext cx="10316084" cy="6455044"/>
           </a:xfrm>
           <a:prstGeom prst="rect">
             <a:avLst/>
@@ -13560,6 +13489,15 @@
 </file>
 
 <file path=customXml/item1.xml><?xml version="1.0" encoding="utf-8"?>
+<?mso-contentType ?>
+<FormTemplates xmlns="http://schemas.microsoft.com/sharepoint/v3/contenttype/forms">
+  <Display>DocumentLibraryForm</Display>
+  <Edit>DocumentLibraryForm</Edit>
+  <New>DocumentLibraryForm</New>
+</FormTemplates>
+</file>
+
+<file path=customXml/item2.xml><?xml version="1.0" encoding="utf-8"?>
 <p:properties xmlns:p="http://schemas.microsoft.com/office/2006/metadata/properties" xmlns:xsi="http://www.w3.org/2001/XMLSchema-instance" xmlns:pc="http://schemas.microsoft.com/office/infopath/2007/PartnerControls">
   <documentManagement>
     <_ip_UnifiedCompliancePolicyUIAction xmlns="http://schemas.microsoft.com/sharepoint/v3" xsi:nil="true"/>
@@ -13577,15 +13515,6 @@
     <MediaServiceKeyPoints xmlns="71af3243-3dd4-4a8d-8c0d-dd76da1f02a5" xsi:nil="true"/>
   </documentManagement>
 </p:properties>
-</file>
-
-<file path=customXml/item2.xml><?xml version="1.0" encoding="utf-8"?>
-<?mso-contentType ?>
-<FormTemplates xmlns="http://schemas.microsoft.com/sharepoint/v3/contenttype/forms">
-  <Display>DocumentLibraryForm</Display>
-  <Edit>DocumentLibraryForm</Edit>
-  <New>DocumentLibraryForm</New>
-</FormTemplates>
 </file>
 
 <file path=customXml/item3.xml><?xml version="1.0" encoding="utf-8"?>
@@ -13901,6 +13830,14 @@
 </file>
 
 <file path=customXml/itemProps1.xml><?xml version="1.0" encoding="utf-8"?>
+<ds:datastoreItem xmlns:ds="http://schemas.openxmlformats.org/officeDocument/2006/customXml" ds:itemID="{B7B39BD0-040C-43BE-B0E4-512B09E8003F}">
+  <ds:schemaRefs>
+    <ds:schemaRef ds:uri="http://schemas.microsoft.com/sharepoint/v3/contenttype/forms"/>
+  </ds:schemaRefs>
+</ds:datastoreItem>
+</file>
+
+<file path=customXml/itemProps2.xml><?xml version="1.0" encoding="utf-8"?>
 <ds:datastoreItem xmlns:ds="http://schemas.openxmlformats.org/officeDocument/2006/customXml" ds:itemID="{AB045227-5724-4DBF-9712-031B1BFB2C3C}">
   <ds:schemaRefs>
     <ds:schemaRef ds:uri="http://schemas.microsoft.com/office/2006/metadata/properties"/>
@@ -13915,14 +13852,6 @@
     <ds:schemaRef ds:uri="230e9df3-be65-4c73-a93b-d1236ebd677e"/>
     <ds:schemaRef ds:uri="16c05727-aa75-4e4a-9b5f-8a80a1165891"/>
     <ds:schemaRef ds:uri="http://www.w3.org/XML/1998/namespace"/>
-  </ds:schemaRefs>
-</ds:datastoreItem>
-</file>
-
-<file path=customXml/itemProps2.xml><?xml version="1.0" encoding="utf-8"?>
-<ds:datastoreItem xmlns:ds="http://schemas.openxmlformats.org/officeDocument/2006/customXml" ds:itemID="{B7B39BD0-040C-43BE-B0E4-512B09E8003F}">
-  <ds:schemaRefs>
-    <ds:schemaRef ds:uri="http://schemas.microsoft.com/sharepoint/v3/contenttype/forms"/>
   </ds:schemaRefs>
 </ds:datastoreItem>
 </file>
